--- a/figures/adaptive_bot_overview.pptx
+++ b/figures/adaptive_bot_overview.pptx
@@ -459,7 +459,7 @@
           <a:p>
             <a:fld id="{1E71EFE8-6944-B847-B4E4-75DE26D2AB42}" type="datetimeFigureOut">
               <a:rPr lang="en-US" smtClean="0"/>
-              <a:t>7/22/22</a:t>
+              <a:t>10/30/22</a:t>
             </a:fld>
             <a:endParaRPr lang="en-US"/>
           </a:p>
@@ -629,7 +629,7 @@
           <a:p>
             <a:fld id="{1E71EFE8-6944-B847-B4E4-75DE26D2AB42}" type="datetimeFigureOut">
               <a:rPr lang="en-US" smtClean="0"/>
-              <a:t>7/22/22</a:t>
+              <a:t>10/30/22</a:t>
             </a:fld>
             <a:endParaRPr lang="en-US"/>
           </a:p>
@@ -809,7 +809,7 @@
           <a:p>
             <a:fld id="{1E71EFE8-6944-B847-B4E4-75DE26D2AB42}" type="datetimeFigureOut">
               <a:rPr lang="en-US" smtClean="0"/>
-              <a:t>7/22/22</a:t>
+              <a:t>10/30/22</a:t>
             </a:fld>
             <a:endParaRPr lang="en-US"/>
           </a:p>
@@ -979,7 +979,7 @@
           <a:p>
             <a:fld id="{1E71EFE8-6944-B847-B4E4-75DE26D2AB42}" type="datetimeFigureOut">
               <a:rPr lang="en-US" smtClean="0"/>
-              <a:t>7/22/22</a:t>
+              <a:t>10/30/22</a:t>
             </a:fld>
             <a:endParaRPr lang="en-US"/>
           </a:p>
@@ -1223,7 +1223,7 @@
           <a:p>
             <a:fld id="{1E71EFE8-6944-B847-B4E4-75DE26D2AB42}" type="datetimeFigureOut">
               <a:rPr lang="en-US" smtClean="0"/>
-              <a:t>7/22/22</a:t>
+              <a:t>10/30/22</a:t>
             </a:fld>
             <a:endParaRPr lang="en-US"/>
           </a:p>
@@ -1455,7 +1455,7 @@
           <a:p>
             <a:fld id="{1E71EFE8-6944-B847-B4E4-75DE26D2AB42}" type="datetimeFigureOut">
               <a:rPr lang="en-US" smtClean="0"/>
-              <a:t>7/22/22</a:t>
+              <a:t>10/30/22</a:t>
             </a:fld>
             <a:endParaRPr lang="en-US"/>
           </a:p>
@@ -1822,7 +1822,7 @@
           <a:p>
             <a:fld id="{1E71EFE8-6944-B847-B4E4-75DE26D2AB42}" type="datetimeFigureOut">
               <a:rPr lang="en-US" smtClean="0"/>
-              <a:t>7/22/22</a:t>
+              <a:t>10/30/22</a:t>
             </a:fld>
             <a:endParaRPr lang="en-US"/>
           </a:p>
@@ -1940,7 +1940,7 @@
           <a:p>
             <a:fld id="{1E71EFE8-6944-B847-B4E4-75DE26D2AB42}" type="datetimeFigureOut">
               <a:rPr lang="en-US" smtClean="0"/>
-              <a:t>7/22/22</a:t>
+              <a:t>10/30/22</a:t>
             </a:fld>
             <a:endParaRPr lang="en-US"/>
           </a:p>
@@ -2035,7 +2035,7 @@
           <a:p>
             <a:fld id="{1E71EFE8-6944-B847-B4E4-75DE26D2AB42}" type="datetimeFigureOut">
               <a:rPr lang="en-US" smtClean="0"/>
-              <a:t>7/22/22</a:t>
+              <a:t>10/30/22</a:t>
             </a:fld>
             <a:endParaRPr lang="en-US"/>
           </a:p>
@@ -2312,7 +2312,7 @@
           <a:p>
             <a:fld id="{1E71EFE8-6944-B847-B4E4-75DE26D2AB42}" type="datetimeFigureOut">
               <a:rPr lang="en-US" smtClean="0"/>
-              <a:t>7/22/22</a:t>
+              <a:t>10/30/22</a:t>
             </a:fld>
             <a:endParaRPr lang="en-US"/>
           </a:p>
@@ -2569,7 +2569,7 @@
           <a:p>
             <a:fld id="{1E71EFE8-6944-B847-B4E4-75DE26D2AB42}" type="datetimeFigureOut">
               <a:rPr lang="en-US" smtClean="0"/>
-              <a:t>7/22/22</a:t>
+              <a:t>10/30/22</a:t>
             </a:fld>
             <a:endParaRPr lang="en-US"/>
           </a:p>
@@ -2782,7 +2782,7 @@
           <a:p>
             <a:fld id="{1E71EFE8-6944-B847-B4E4-75DE26D2AB42}" type="datetimeFigureOut">
               <a:rPr lang="en-US" smtClean="0"/>
-              <a:t>7/22/22</a:t>
+              <a:t>10/30/22</a:t>
             </a:fld>
             <a:endParaRPr lang="en-US"/>
           </a:p>
@@ -12544,7 +12544,7 @@
         <p:spPr>
           <a:xfrm>
             <a:off x="998" y="-35313"/>
-            <a:ext cx="3632726" cy="523220"/>
+            <a:ext cx="3937296" cy="523220"/>
           </a:xfrm>
           <a:prstGeom prst="rect">
             <a:avLst/>
@@ -12561,7 +12561,7 @@
               <a:rPr lang="en-US" sz="2800" b="1" dirty="0">
                 <a:latin typeface="Avenir Book" panose="02000503020000020003" pitchFamily="2" charset="0"/>
               </a:rPr>
-              <a:t>Experiment Overview</a:t>
+              <a:t>Experiment 2 Overview</a:t>
             </a:r>
           </a:p>
         </p:txBody>

--- a/figures/adaptive_bot_overview.pptx
+++ b/figures/adaptive_bot_overview.pptx
@@ -192,7 +192,7 @@
             <a:srgbClr val="A4A3A4"/>
           </p15:clr>
         </p15:guide>
-        <p15:guide id="18" pos="4392" userDrawn="1">
+        <p15:guide id="18" pos="4560" userDrawn="1">
           <p15:clr>
             <a:srgbClr val="A4A3A4"/>
           </p15:clr>
@@ -322,6 +322,11 @@
             <a:srgbClr val="A4A3A4"/>
           </p15:clr>
         </p15:guide>
+        <p15:guide id="45" orient="horz" pos="3048" userDrawn="1">
+          <p15:clr>
+            <a:srgbClr val="A4A3A4"/>
+          </p15:clr>
+        </p15:guide>
       </p15:sldGuideLst>
     </p:ext>
   </p:extLst>
@@ -459,7 +464,7 @@
           <a:p>
             <a:fld id="{1E71EFE8-6944-B847-B4E4-75DE26D2AB42}" type="datetimeFigureOut">
               <a:rPr lang="en-US" smtClean="0"/>
-              <a:t>10/30/22</a:t>
+              <a:t>5/16/23</a:t>
             </a:fld>
             <a:endParaRPr lang="en-US"/>
           </a:p>
@@ -629,7 +634,7 @@
           <a:p>
             <a:fld id="{1E71EFE8-6944-B847-B4E4-75DE26D2AB42}" type="datetimeFigureOut">
               <a:rPr lang="en-US" smtClean="0"/>
-              <a:t>10/30/22</a:t>
+              <a:t>5/16/23</a:t>
             </a:fld>
             <a:endParaRPr lang="en-US"/>
           </a:p>
@@ -809,7 +814,7 @@
           <a:p>
             <a:fld id="{1E71EFE8-6944-B847-B4E4-75DE26D2AB42}" type="datetimeFigureOut">
               <a:rPr lang="en-US" smtClean="0"/>
-              <a:t>10/30/22</a:t>
+              <a:t>5/16/23</a:t>
             </a:fld>
             <a:endParaRPr lang="en-US"/>
           </a:p>
@@ -979,7 +984,7 @@
           <a:p>
             <a:fld id="{1E71EFE8-6944-B847-B4E4-75DE26D2AB42}" type="datetimeFigureOut">
               <a:rPr lang="en-US" smtClean="0"/>
-              <a:t>10/30/22</a:t>
+              <a:t>5/16/23</a:t>
             </a:fld>
             <a:endParaRPr lang="en-US"/>
           </a:p>
@@ -1223,7 +1228,7 @@
           <a:p>
             <a:fld id="{1E71EFE8-6944-B847-B4E4-75DE26D2AB42}" type="datetimeFigureOut">
               <a:rPr lang="en-US" smtClean="0"/>
-              <a:t>10/30/22</a:t>
+              <a:t>5/16/23</a:t>
             </a:fld>
             <a:endParaRPr lang="en-US"/>
           </a:p>
@@ -1455,7 +1460,7 @@
           <a:p>
             <a:fld id="{1E71EFE8-6944-B847-B4E4-75DE26D2AB42}" type="datetimeFigureOut">
               <a:rPr lang="en-US" smtClean="0"/>
-              <a:t>10/30/22</a:t>
+              <a:t>5/16/23</a:t>
             </a:fld>
             <a:endParaRPr lang="en-US"/>
           </a:p>
@@ -1822,7 +1827,7 @@
           <a:p>
             <a:fld id="{1E71EFE8-6944-B847-B4E4-75DE26D2AB42}" type="datetimeFigureOut">
               <a:rPr lang="en-US" smtClean="0"/>
-              <a:t>10/30/22</a:t>
+              <a:t>5/16/23</a:t>
             </a:fld>
             <a:endParaRPr lang="en-US"/>
           </a:p>
@@ -1940,7 +1945,7 @@
           <a:p>
             <a:fld id="{1E71EFE8-6944-B847-B4E4-75DE26D2AB42}" type="datetimeFigureOut">
               <a:rPr lang="en-US" smtClean="0"/>
-              <a:t>10/30/22</a:t>
+              <a:t>5/16/23</a:t>
             </a:fld>
             <a:endParaRPr lang="en-US"/>
           </a:p>
@@ -2035,7 +2040,7 @@
           <a:p>
             <a:fld id="{1E71EFE8-6944-B847-B4E4-75DE26D2AB42}" type="datetimeFigureOut">
               <a:rPr lang="en-US" smtClean="0"/>
-              <a:t>10/30/22</a:t>
+              <a:t>5/16/23</a:t>
             </a:fld>
             <a:endParaRPr lang="en-US"/>
           </a:p>
@@ -2312,7 +2317,7 @@
           <a:p>
             <a:fld id="{1E71EFE8-6944-B847-B4E4-75DE26D2AB42}" type="datetimeFigureOut">
               <a:rPr lang="en-US" smtClean="0"/>
-              <a:t>10/30/22</a:t>
+              <a:t>5/16/23</a:t>
             </a:fld>
             <a:endParaRPr lang="en-US"/>
           </a:p>
@@ -2569,7 +2574,7 @@
           <a:p>
             <a:fld id="{1E71EFE8-6944-B847-B4E4-75DE26D2AB42}" type="datetimeFigureOut">
               <a:rPr lang="en-US" smtClean="0"/>
-              <a:t>10/30/22</a:t>
+              <a:t>5/16/23</a:t>
             </a:fld>
             <a:endParaRPr lang="en-US"/>
           </a:p>
@@ -2782,7 +2787,7 @@
           <a:p>
             <a:fld id="{1E71EFE8-6944-B847-B4E4-75DE26D2AB42}" type="datetimeFigureOut">
               <a:rPr lang="en-US" smtClean="0"/>
-              <a:t>10/30/22</a:t>
+              <a:t>5/16/23</a:t>
             </a:fld>
             <a:endParaRPr lang="en-US"/>
           </a:p>
@@ -8871,8 +8876,8 @@
         </p:nvSpPr>
         <p:spPr>
           <a:xfrm>
-            <a:off x="168610" y="4952380"/>
-            <a:ext cx="1742628" cy="584775"/>
+            <a:off x="168609" y="4841540"/>
+            <a:ext cx="2259233" cy="338554"/>
           </a:xfrm>
           <a:prstGeom prst="rect">
             <a:avLst/>
@@ -8897,25 +8902,7 @@
                 </a:solidFill>
                 <a:latin typeface="Avenir Book" panose="02000503020000020003" pitchFamily="2" charset="0"/>
               </a:rPr>
-              <a:t>Self-transition </a:t>
-            </a:r>
-            <a:r>
-              <a:rPr lang="en-US" sz="1600" b="1" dirty="0" err="1">
-                <a:solidFill>
-                  <a:schemeClr val="accent1"/>
-                </a:solidFill>
-                <a:latin typeface="Avenir Book" panose="02000503020000020003" pitchFamily="2" charset="0"/>
-              </a:rPr>
-              <a:t>baserate</a:t>
-            </a:r>
-            <a:r>
-              <a:rPr lang="en-US" sz="1600" b="1" dirty="0">
-                <a:solidFill>
-                  <a:schemeClr val="accent1"/>
-                </a:solidFill>
-                <a:latin typeface="Avenir Book" panose="02000503020000020003" pitchFamily="2" charset="0"/>
-              </a:rPr>
-              <a:t> (+, –, o) </a:t>
+              <a:t>Self-transition (+, –, o) </a:t>
             </a:r>
           </a:p>
         </p:txBody>
@@ -8934,8 +8921,8 @@
         </p:nvSpPr>
         <p:spPr>
           <a:xfrm>
-            <a:off x="2685582" y="4576659"/>
-            <a:ext cx="2171263" cy="584775"/>
+            <a:off x="2685582" y="4839902"/>
+            <a:ext cx="1571121" cy="338554"/>
           </a:xfrm>
           <a:prstGeom prst="rect">
             <a:avLst/>
@@ -8960,7 +8947,7 @@
                 </a:solidFill>
                 <a:latin typeface="Avenir Book" panose="02000503020000020003" pitchFamily="2" charset="0"/>
               </a:rPr>
-              <a:t>Choice given player’s prior move choice</a:t>
+              <a:t>Previous move</a:t>
             </a:r>
           </a:p>
         </p:txBody>
@@ -8979,8 +8966,8 @@
         </p:nvSpPr>
         <p:spPr>
           <a:xfrm>
-            <a:off x="4444131" y="3495756"/>
-            <a:ext cx="2375714" cy="830997"/>
+            <a:off x="5280812" y="3495756"/>
+            <a:ext cx="1982383" cy="830997"/>
           </a:xfrm>
           <a:prstGeom prst="rect">
             <a:avLst/>
@@ -9005,7 +8992,7 @@
                 </a:solidFill>
                 <a:latin typeface="Avenir Book" panose="02000503020000020003" pitchFamily="2" charset="0"/>
               </a:rPr>
-              <a:t>Choice given player’s prior choice &amp; opponent’s prior choice</a:t>
+              <a:t>Previous move, opponent previous move</a:t>
             </a:r>
           </a:p>
         </p:txBody>
@@ -10451,7 +10438,7 @@
         <p:spPr>
           <a:xfrm>
             <a:off x="11728" y="2810503"/>
-            <a:ext cx="1488831" cy="584775"/>
+            <a:ext cx="1456058" cy="584775"/>
           </a:xfrm>
           <a:prstGeom prst="rect">
             <a:avLst/>
@@ -10472,25 +10459,7 @@
                 </a:solidFill>
                 <a:latin typeface="Avenir Book" panose="02000503020000020003" pitchFamily="2" charset="0"/>
               </a:rPr>
-              <a:t>Self-transition </a:t>
-            </a:r>
-            <a:r>
-              <a:rPr lang="en-US" sz="1600" b="1" dirty="0" err="1">
-                <a:solidFill>
-                  <a:schemeClr val="accent1"/>
-                </a:solidFill>
-                <a:latin typeface="Avenir Book" panose="02000503020000020003" pitchFamily="2" charset="0"/>
-              </a:rPr>
-              <a:t>baserate</a:t>
-            </a:r>
-            <a:r>
-              <a:rPr lang="en-US" sz="1600" b="1" dirty="0">
-                <a:solidFill>
-                  <a:schemeClr val="accent1"/>
-                </a:solidFill>
-                <a:latin typeface="Avenir Book" panose="02000503020000020003" pitchFamily="2" charset="0"/>
-              </a:rPr>
-              <a:t> bot</a:t>
+              <a:t>Self-transition bot</a:t>
             </a:r>
           </a:p>
         </p:txBody>
@@ -12300,8 +12269,8 @@
         </p:nvSpPr>
         <p:spPr>
           <a:xfrm>
-            <a:off x="9462052" y="3500111"/>
-            <a:ext cx="2595848" cy="584775"/>
+            <a:off x="10096500" y="3500111"/>
+            <a:ext cx="1961400" cy="584775"/>
           </a:xfrm>
           <a:prstGeom prst="rect">
             <a:avLst/>
@@ -12326,7 +12295,7 @@
                 </a:solidFill>
                 <a:latin typeface="Avenir Book" panose="02000503020000020003" pitchFamily="2" charset="0"/>
               </a:rPr>
-              <a:t>Transition given prior transition &amp; prior outcome</a:t>
+              <a:t>Previous outcome, previous transition</a:t>
             </a:r>
           </a:p>
         </p:txBody>
@@ -12345,8 +12314,8 @@
         </p:nvSpPr>
         <p:spPr>
           <a:xfrm>
-            <a:off x="5501207" y="5034934"/>
-            <a:ext cx="1949201" cy="584775"/>
+            <a:off x="5030148" y="4854825"/>
+            <a:ext cx="1871966" cy="338554"/>
           </a:xfrm>
           <a:prstGeom prst="rect">
             <a:avLst/>
@@ -12371,7 +12340,7 @@
                 </a:solidFill>
                 <a:latin typeface="Avenir Book" panose="02000503020000020003" pitchFamily="2" charset="0"/>
               </a:rPr>
-              <a:t>Transition given prior outcome</a:t>
+              <a:t>Previous outcome</a:t>
             </a:r>
           </a:p>
         </p:txBody>
@@ -12390,7 +12359,7 @@
         </p:nvSpPr>
         <p:spPr>
           <a:xfrm>
-            <a:off x="382237" y="5786158"/>
+            <a:off x="396092" y="5384375"/>
             <a:ext cx="2048891" cy="584775"/>
           </a:xfrm>
           <a:prstGeom prst="rect">
@@ -12416,25 +12385,7 @@
                 </a:solidFill>
                 <a:latin typeface="Avenir Book" panose="02000503020000020003" pitchFamily="2" charset="0"/>
               </a:rPr>
-              <a:t>Opponent-transition </a:t>
-            </a:r>
-            <a:r>
-              <a:rPr lang="en-US" sz="1600" b="1" dirty="0" err="1">
-                <a:solidFill>
-                  <a:schemeClr val="accent1"/>
-                </a:solidFill>
-                <a:latin typeface="Avenir Book" panose="02000503020000020003" pitchFamily="2" charset="0"/>
-              </a:rPr>
-              <a:t>baserate</a:t>
-            </a:r>
-            <a:r>
-              <a:rPr lang="en-US" sz="1600" b="1" dirty="0">
-                <a:solidFill>
-                  <a:schemeClr val="accent1"/>
-                </a:solidFill>
-                <a:latin typeface="Avenir Book" panose="02000503020000020003" pitchFamily="2" charset="0"/>
-              </a:rPr>
-              <a:t> (+, –, o)</a:t>
+              <a:t>Opponent-transition (+, –, o)</a:t>
             </a:r>
           </a:p>
         </p:txBody>
@@ -12453,8 +12404,8 @@
         </p:nvSpPr>
         <p:spPr>
           <a:xfrm>
-            <a:off x="2910217" y="5363719"/>
-            <a:ext cx="2356708" cy="584775"/>
+            <a:off x="2910217" y="5391429"/>
+            <a:ext cx="1571121" cy="584775"/>
           </a:xfrm>
           <a:prstGeom prst="rect">
             <a:avLst/>
@@ -12479,7 +12430,7 @@
                 </a:solidFill>
                 <a:latin typeface="Avenir Book" panose="02000503020000020003" pitchFamily="2" charset="0"/>
               </a:rPr>
-              <a:t>Choice given opponent’s prior choice</a:t>
+              <a:t>Opponent previous move</a:t>
             </a:r>
           </a:p>
         </p:txBody>
@@ -12498,8 +12449,8 @@
         </p:nvSpPr>
         <p:spPr>
           <a:xfrm>
-            <a:off x="7079014" y="3500111"/>
-            <a:ext cx="2148840" cy="584775"/>
+            <a:off x="7453087" y="3500111"/>
+            <a:ext cx="2148840" cy="338554"/>
           </a:xfrm>
           <a:prstGeom prst="rect">
             <a:avLst/>
@@ -12524,7 +12475,7 @@
                 </a:solidFill>
                 <a:latin typeface="Avenir Book" panose="02000503020000020003" pitchFamily="2" charset="0"/>
               </a:rPr>
-              <a:t>Choice given player’s prior two choices</a:t>
+              <a:t>Previous two moves</a:t>
             </a:r>
           </a:p>
         </p:txBody>
@@ -12618,9 +12569,9 @@
           <p:nvPr/>
         </p:nvCxnSpPr>
         <p:spPr>
-          <a:xfrm>
-            <a:off x="172169" y="5534182"/>
-            <a:ext cx="0" cy="1645920"/>
+          <a:xfrm flipH="1">
+            <a:off x="168609" y="5173953"/>
+            <a:ext cx="3560" cy="2026947"/>
           </a:xfrm>
           <a:prstGeom prst="straightConnector1">
             <a:avLst/>
@@ -12660,8 +12611,8 @@
         </p:nvCxnSpPr>
         <p:spPr>
           <a:xfrm>
-            <a:off x="387742" y="6370162"/>
-            <a:ext cx="0" cy="822960"/>
+            <a:off x="401597" y="5968373"/>
+            <a:ext cx="0" cy="1232527"/>
           </a:xfrm>
           <a:prstGeom prst="straightConnector1">
             <a:avLst/>
@@ -12789,8 +12740,8 @@
         </p:nvCxnSpPr>
         <p:spPr>
           <a:xfrm>
-            <a:off x="5502770" y="5603416"/>
-            <a:ext cx="0" cy="685800"/>
+            <a:off x="5045567" y="5201629"/>
+            <a:ext cx="0" cy="1084871"/>
           </a:xfrm>
           <a:prstGeom prst="straightConnector1">
             <a:avLst/>
@@ -12833,8 +12784,8 @@
         </p:nvCxnSpPr>
         <p:spPr>
           <a:xfrm>
-            <a:off x="6824547" y="4314698"/>
-            <a:ext cx="819702" cy="835013"/>
+            <a:off x="7249340" y="4306793"/>
+            <a:ext cx="381054" cy="801353"/>
           </a:xfrm>
           <a:prstGeom prst="straightConnector1">
             <a:avLst/>
@@ -12877,8 +12828,8 @@
         </p:nvCxnSpPr>
         <p:spPr>
           <a:xfrm>
-            <a:off x="7070058" y="4073502"/>
-            <a:ext cx="565213" cy="566516"/>
+            <a:off x="7453087" y="3838665"/>
+            <a:ext cx="242184" cy="462799"/>
           </a:xfrm>
           <a:prstGeom prst="straightConnector1">
             <a:avLst/>
@@ -12921,8 +12872,8 @@
         </p:nvCxnSpPr>
         <p:spPr>
           <a:xfrm>
-            <a:off x="9473837" y="4082612"/>
-            <a:ext cx="564048" cy="314379"/>
+            <a:off x="10110728" y="4094764"/>
+            <a:ext cx="0" cy="219934"/>
           </a:xfrm>
           <a:prstGeom prst="straightConnector1">
             <a:avLst/>

--- a/figures/adaptive_bot_overview.pptx
+++ b/figures/adaptive_bot_overview.pptx
@@ -464,7 +464,7 @@
           <a:p>
             <a:fld id="{1E71EFE8-6944-B847-B4E4-75DE26D2AB42}" type="datetimeFigureOut">
               <a:rPr lang="en-US" smtClean="0"/>
-              <a:t>5/16/23</a:t>
+              <a:t>2/8/24</a:t>
             </a:fld>
             <a:endParaRPr lang="en-US"/>
           </a:p>
@@ -634,7 +634,7 @@
           <a:p>
             <a:fld id="{1E71EFE8-6944-B847-B4E4-75DE26D2AB42}" type="datetimeFigureOut">
               <a:rPr lang="en-US" smtClean="0"/>
-              <a:t>5/16/23</a:t>
+              <a:t>2/8/24</a:t>
             </a:fld>
             <a:endParaRPr lang="en-US"/>
           </a:p>
@@ -814,7 +814,7 @@
           <a:p>
             <a:fld id="{1E71EFE8-6944-B847-B4E4-75DE26D2AB42}" type="datetimeFigureOut">
               <a:rPr lang="en-US" smtClean="0"/>
-              <a:t>5/16/23</a:t>
+              <a:t>2/8/24</a:t>
             </a:fld>
             <a:endParaRPr lang="en-US"/>
           </a:p>
@@ -984,7 +984,7 @@
           <a:p>
             <a:fld id="{1E71EFE8-6944-B847-B4E4-75DE26D2AB42}" type="datetimeFigureOut">
               <a:rPr lang="en-US" smtClean="0"/>
-              <a:t>5/16/23</a:t>
+              <a:t>2/8/24</a:t>
             </a:fld>
             <a:endParaRPr lang="en-US"/>
           </a:p>
@@ -1228,7 +1228,7 @@
           <a:p>
             <a:fld id="{1E71EFE8-6944-B847-B4E4-75DE26D2AB42}" type="datetimeFigureOut">
               <a:rPr lang="en-US" smtClean="0"/>
-              <a:t>5/16/23</a:t>
+              <a:t>2/8/24</a:t>
             </a:fld>
             <a:endParaRPr lang="en-US"/>
           </a:p>
@@ -1460,7 +1460,7 @@
           <a:p>
             <a:fld id="{1E71EFE8-6944-B847-B4E4-75DE26D2AB42}" type="datetimeFigureOut">
               <a:rPr lang="en-US" smtClean="0"/>
-              <a:t>5/16/23</a:t>
+              <a:t>2/8/24</a:t>
             </a:fld>
             <a:endParaRPr lang="en-US"/>
           </a:p>
@@ -1827,7 +1827,7 @@
           <a:p>
             <a:fld id="{1E71EFE8-6944-B847-B4E4-75DE26D2AB42}" type="datetimeFigureOut">
               <a:rPr lang="en-US" smtClean="0"/>
-              <a:t>5/16/23</a:t>
+              <a:t>2/8/24</a:t>
             </a:fld>
             <a:endParaRPr lang="en-US"/>
           </a:p>
@@ -1945,7 +1945,7 @@
           <a:p>
             <a:fld id="{1E71EFE8-6944-B847-B4E4-75DE26D2AB42}" type="datetimeFigureOut">
               <a:rPr lang="en-US" smtClean="0"/>
-              <a:t>5/16/23</a:t>
+              <a:t>2/8/24</a:t>
             </a:fld>
             <a:endParaRPr lang="en-US"/>
           </a:p>
@@ -2040,7 +2040,7 @@
           <a:p>
             <a:fld id="{1E71EFE8-6944-B847-B4E4-75DE26D2AB42}" type="datetimeFigureOut">
               <a:rPr lang="en-US" smtClean="0"/>
-              <a:t>5/16/23</a:t>
+              <a:t>2/8/24</a:t>
             </a:fld>
             <a:endParaRPr lang="en-US"/>
           </a:p>
@@ -2317,7 +2317,7 @@
           <a:p>
             <a:fld id="{1E71EFE8-6944-B847-B4E4-75DE26D2AB42}" type="datetimeFigureOut">
               <a:rPr lang="en-US" smtClean="0"/>
-              <a:t>5/16/23</a:t>
+              <a:t>2/8/24</a:t>
             </a:fld>
             <a:endParaRPr lang="en-US"/>
           </a:p>
@@ -2574,7 +2574,7 @@
           <a:p>
             <a:fld id="{1E71EFE8-6944-B847-B4E4-75DE26D2AB42}" type="datetimeFigureOut">
               <a:rPr lang="en-US" smtClean="0"/>
-              <a:t>5/16/23</a:t>
+              <a:t>2/8/24</a:t>
             </a:fld>
             <a:endParaRPr lang="en-US"/>
           </a:p>
@@ -2787,7 +2787,7 @@
           <a:p>
             <a:fld id="{1E71EFE8-6944-B847-B4E4-75DE26D2AB42}" type="datetimeFigureOut">
               <a:rPr lang="en-US" smtClean="0"/>
-              <a:t>5/16/23</a:t>
+              <a:t>2/8/24</a:t>
             </a:fld>
             <a:endParaRPr lang="en-US"/>
           </a:p>
@@ -8877,7 +8877,7 @@
         <p:spPr>
           <a:xfrm>
             <a:off x="168609" y="4841540"/>
-            <a:ext cx="2259233" cy="338554"/>
+            <a:ext cx="2380691" cy="338554"/>
           </a:xfrm>
           <a:prstGeom prst="rect">
             <a:avLst/>
@@ -8966,8 +8966,8 @@
         </p:nvSpPr>
         <p:spPr>
           <a:xfrm>
-            <a:off x="5280812" y="3495756"/>
-            <a:ext cx="1982383" cy="830997"/>
+            <a:off x="5546430" y="3495756"/>
+            <a:ext cx="1716765" cy="830997"/>
           </a:xfrm>
           <a:prstGeom prst="rect">
             <a:avLst/>
@@ -9013,7 +9013,7 @@
         </p:nvSpPr>
         <p:spPr>
           <a:xfrm>
-            <a:off x="492690" y="547104"/>
+            <a:off x="519194" y="547104"/>
             <a:ext cx="456568" cy="457200"/>
           </a:xfrm>
           <a:prstGeom prst="ellipse">
@@ -9067,7 +9067,7 @@
         </p:nvSpPr>
         <p:spPr>
           <a:xfrm rot="7587259">
-            <a:off x="378074" y="994415"/>
+            <a:off x="404578" y="994415"/>
             <a:ext cx="685800" cy="685800"/>
           </a:xfrm>
           <a:prstGeom prst="chord">
@@ -9124,7 +9124,7 @@
         </p:nvGrpSpPr>
         <p:grpSpPr>
           <a:xfrm>
-            <a:off x="321079" y="1996565"/>
+            <a:off x="374087" y="1996565"/>
             <a:ext cx="799791" cy="822960"/>
             <a:chOff x="28944" y="1042782"/>
             <a:chExt cx="1213569" cy="1248725"/>
@@ -10396,8 +10396,8 @@
         </p:nvSpPr>
         <p:spPr>
           <a:xfrm>
-            <a:off x="144534" y="1385866"/>
-            <a:ext cx="1152880" cy="338554"/>
+            <a:off x="90969" y="1399266"/>
+            <a:ext cx="1328857" cy="338554"/>
           </a:xfrm>
           <a:prstGeom prst="rect">
             <a:avLst/>
@@ -10405,7 +10405,7 @@
           <a:noFill/>
         </p:spPr>
         <p:txBody>
-          <a:bodyPr wrap="none" rtlCol="0">
+          <a:bodyPr wrap="square" rtlCol="0">
             <a:spAutoFit/>
           </a:bodyPr>
           <a:lstStyle/>
@@ -10437,8 +10437,8 @@
         </p:nvSpPr>
         <p:spPr>
           <a:xfrm>
-            <a:off x="11728" y="2810503"/>
-            <a:ext cx="1456058" cy="584775"/>
+            <a:off x="-14776" y="2810503"/>
+            <a:ext cx="1540348" cy="584775"/>
           </a:xfrm>
           <a:prstGeom prst="rect">
             <a:avLst/>
@@ -12269,7 +12269,7 @@
         </p:nvSpPr>
         <p:spPr>
           <a:xfrm>
-            <a:off x="10096500" y="3500111"/>
+            <a:off x="10109752" y="3513363"/>
             <a:ext cx="1961400" cy="584775"/>
           </a:xfrm>
           <a:prstGeom prst="rect">
@@ -12314,7 +12314,7 @@
         </p:nvSpPr>
         <p:spPr>
           <a:xfrm>
-            <a:off x="5030148" y="4854825"/>
+            <a:off x="5043400" y="4854825"/>
             <a:ext cx="1871966" cy="338554"/>
           </a:xfrm>
           <a:prstGeom prst="rect">
@@ -12359,8 +12359,8 @@
         </p:nvSpPr>
         <p:spPr>
           <a:xfrm>
-            <a:off x="396092" y="5384375"/>
-            <a:ext cx="2048891" cy="584775"/>
+            <a:off x="396091" y="5384375"/>
+            <a:ext cx="2153209" cy="584775"/>
           </a:xfrm>
           <a:prstGeom prst="rect">
             <a:avLst/>
